--- a/materials/slides/ch06-cssBox.pptx
+++ b/materials/slides/ch06-cssBox.pptx
@@ -152,7 +152,7 @@
   </p:defaultTextStyle>
   <p:extLst>
     <p:ext uri="{EFAFB233-063F-42B5-8137-9DF3F51BA10A}">
-      <p15:sldGuideLst xmlns:p15="http://schemas.microsoft.com/office/powerpoint/2012/main">
+      <p15:sldGuideLst xmlns:p15="http://schemas.microsoft.com/office/powerpoint/2012/main" xmlns="">
         <p15:guide id="1" orient="horz" pos="82">
           <p15:clr>
             <a:srgbClr val="A4A3A4"/>
@@ -251,7 +251,7 @@
           <a:p>
             <a:fld id="{0E4E0BC6-38A4-47D2-A16E-1969BFB3BA5E}" type="datetimeFigureOut">
               <a:rPr lang="zh-CN" altLang="en-US" smtClean="0"/>
-              <a:t>19/2/18</a:t>
+              <a:t>2019/4/15</a:t>
             </a:fld>
             <a:endParaRPr lang="zh-CN" altLang="en-US"/>
           </a:p>
@@ -2328,7 +2328,7 @@
           <a:p>
             <a:fld id="{C87C0710-1941-4207-AFC4-70422DBD405E}" type="datetimeFigureOut">
               <a:rPr lang="zh-CN" altLang="en-US" smtClean="0"/>
-              <a:t>19/2/18</a:t>
+              <a:t>2019/4/15</a:t>
             </a:fld>
             <a:endParaRPr lang="zh-CN" altLang="en-US"/>
           </a:p>
@@ -2503,7 +2503,7 @@
           <a:p>
             <a:fld id="{C87C0710-1941-4207-AFC4-70422DBD405E}" type="datetimeFigureOut">
               <a:rPr lang="zh-CN" altLang="en-US" smtClean="0"/>
-              <a:t>19/2/18</a:t>
+              <a:t>2019/4/15</a:t>
             </a:fld>
             <a:endParaRPr lang="zh-CN" altLang="en-US"/>
           </a:p>
@@ -2688,7 +2688,7 @@
           <a:p>
             <a:fld id="{C87C0710-1941-4207-AFC4-70422DBD405E}" type="datetimeFigureOut">
               <a:rPr lang="zh-CN" altLang="en-US" smtClean="0"/>
-              <a:t>19/2/18</a:t>
+              <a:t>2019/4/15</a:t>
             </a:fld>
             <a:endParaRPr lang="zh-CN" altLang="en-US"/>
           </a:p>
@@ -3431,7 +3431,7 @@
           <a:p>
             <a:fld id="{C87C0710-1941-4207-AFC4-70422DBD405E}" type="datetimeFigureOut">
               <a:rPr lang="zh-CN" altLang="en-US" smtClean="0"/>
-              <a:t>19/2/18</a:t>
+              <a:t>2019/4/15</a:t>
             </a:fld>
             <a:endParaRPr lang="zh-CN" altLang="en-US"/>
           </a:p>
@@ -3667,7 +3667,7 @@
           <a:p>
             <a:fld id="{C87C0710-1941-4207-AFC4-70422DBD405E}" type="datetimeFigureOut">
               <a:rPr lang="zh-CN" altLang="en-US" smtClean="0"/>
-              <a:t>19/2/18</a:t>
+              <a:t>2019/4/15</a:t>
             </a:fld>
             <a:endParaRPr lang="zh-CN" altLang="en-US"/>
           </a:p>
@@ -4038,7 +4038,7 @@
           <a:p>
             <a:fld id="{C87C0710-1941-4207-AFC4-70422DBD405E}" type="datetimeFigureOut">
               <a:rPr lang="zh-CN" altLang="en-US" smtClean="0"/>
-              <a:t>19/2/18</a:t>
+              <a:t>2019/4/15</a:t>
             </a:fld>
             <a:endParaRPr lang="zh-CN" altLang="en-US"/>
           </a:p>
@@ -4162,7 +4162,7 @@
           <a:p>
             <a:fld id="{C87C0710-1941-4207-AFC4-70422DBD405E}" type="datetimeFigureOut">
               <a:rPr lang="zh-CN" altLang="en-US" smtClean="0"/>
-              <a:t>19/2/18</a:t>
+              <a:t>2019/4/15</a:t>
             </a:fld>
             <a:endParaRPr lang="zh-CN" altLang="en-US"/>
           </a:p>
@@ -4264,7 +4264,7 @@
           <a:p>
             <a:fld id="{C87C0710-1941-4207-AFC4-70422DBD405E}" type="datetimeFigureOut">
               <a:rPr lang="zh-CN" altLang="en-US" smtClean="0"/>
-              <a:t>19/2/18</a:t>
+              <a:t>2019/4/15</a:t>
             </a:fld>
             <a:endParaRPr lang="zh-CN" altLang="en-US"/>
           </a:p>
@@ -4903,7 +4903,7 @@
           <a:p>
             <a:fld id="{C87C0710-1941-4207-AFC4-70422DBD405E}" type="datetimeFigureOut">
               <a:rPr lang="zh-CN" altLang="en-US" smtClean="0"/>
-              <a:t>19/2/18</a:t>
+              <a:t>2019/4/15</a:t>
             </a:fld>
             <a:endParaRPr lang="zh-CN" altLang="en-US"/>
           </a:p>
@@ -5162,7 +5162,7 @@
           <a:p>
             <a:fld id="{C87C0710-1941-4207-AFC4-70422DBD405E}" type="datetimeFigureOut">
               <a:rPr lang="zh-CN" altLang="en-US" smtClean="0"/>
-              <a:t>19/2/18</a:t>
+              <a:t>2019/4/15</a:t>
             </a:fld>
             <a:endParaRPr lang="zh-CN" altLang="en-US"/>
           </a:p>
@@ -5383,7 +5383,7 @@
           <a:p>
             <a:fld id="{C87C0710-1941-4207-AFC4-70422DBD405E}" type="datetimeFigureOut">
               <a:rPr lang="zh-CN" altLang="en-US" smtClean="0"/>
-              <a:t>19/2/18</a:t>
+              <a:t>2019/4/15</a:t>
             </a:fld>
             <a:endParaRPr lang="zh-CN" altLang="en-US"/>
           </a:p>
@@ -13042,42 +13042,6 @@
           </p:txBody>
         </p:sp>
       </p:grpSp>
-      <p:sp>
-        <p:nvSpPr>
-          <p:cNvPr id="16" name="文本框 10"/>
-          <p:cNvSpPr txBox="1"/>
-          <p:nvPr/>
-        </p:nvSpPr>
-        <p:spPr>
-          <a:xfrm>
-            <a:off x="8528363" y="5636577"/>
-            <a:ext cx="2356629" cy="479245"/>
-          </a:xfrm>
-          <a:prstGeom prst="rect">
-            <a:avLst/>
-          </a:prstGeom>
-          <a:noFill/>
-        </p:spPr>
-        <p:txBody>
-          <a:bodyPr wrap="none" lIns="108850" tIns="54425" rIns="108850" bIns="54425" rtlCol="0">
-            <a:spAutoFit/>
-          </a:bodyPr>
-          <a:lstStyle/>
-          <a:p>
-            <a:r>
-              <a:rPr lang="en-US" altLang="zh-CN" sz="2400" dirty="0" smtClean="0">
-                <a:latin typeface="微软雅黑" panose="020B0503020204020204" pitchFamily="34" charset="-122"/>
-                <a:ea typeface="微软雅黑" panose="020B0503020204020204" pitchFamily="34" charset="-122"/>
-              </a:rPr>
-              <a:t>Demo6-2.html</a:t>
-            </a:r>
-            <a:endParaRPr lang="zh-CN" altLang="en-US" sz="2400" dirty="0">
-              <a:latin typeface="微软雅黑" panose="020B0503020204020204" pitchFamily="34" charset="-122"/>
-              <a:ea typeface="微软雅黑" panose="020B0503020204020204" pitchFamily="34" charset="-122"/>
-            </a:endParaRPr>
-          </a:p>
-        </p:txBody>
-      </p:sp>
     </p:spTree>
   </p:cSld>
   <p:clrMapOvr>
@@ -23147,49 +23111,6 @@
           </a:extLst>
         </p:spPr>
       </p:pic>
-      <p:sp>
-        <p:nvSpPr>
-          <p:cNvPr id="15" name="文本框 10"/>
-          <p:cNvSpPr txBox="1"/>
-          <p:nvPr/>
-        </p:nvSpPr>
-        <p:spPr>
-          <a:xfrm>
-            <a:off x="9900627" y="5723197"/>
-            <a:ext cx="2295525" cy="476885"/>
-          </a:xfrm>
-          <a:prstGeom prst="rect">
-            <a:avLst/>
-          </a:prstGeom>
-          <a:noFill/>
-        </p:spPr>
-        <p:txBody>
-          <a:bodyPr wrap="none" lIns="108850" tIns="54425" rIns="108850" bIns="54425" rtlCol="0">
-            <a:spAutoFit/>
-          </a:bodyPr>
-          <a:lstStyle/>
-          <a:p>
-            <a:r>
-              <a:rPr lang="en-US" altLang="zh-CN" sz="2400" dirty="0">
-                <a:latin typeface="微软雅黑" panose="020B0503020204020204" pitchFamily="34" charset="-122"/>
-                <a:ea typeface="微软雅黑" panose="020B0503020204020204" pitchFamily="34" charset="-122"/>
-              </a:rPr>
-              <a:t>d</a:t>
-            </a:r>
-            <a:r>
-              <a:rPr lang="en-US" altLang="zh-CN" sz="2400" dirty="0" smtClean="0">
-                <a:latin typeface="微软雅黑" panose="020B0503020204020204" pitchFamily="34" charset="-122"/>
-                <a:ea typeface="微软雅黑" panose="020B0503020204020204" pitchFamily="34" charset="-122"/>
-              </a:rPr>
-              <a:t>emo6-2.html</a:t>
-            </a:r>
-            <a:endParaRPr lang="zh-CN" altLang="en-US" sz="2400" dirty="0">
-              <a:latin typeface="微软雅黑" panose="020B0503020204020204" pitchFamily="34" charset="-122"/>
-              <a:ea typeface="微软雅黑" panose="020B0503020204020204" pitchFamily="34" charset="-122"/>
-            </a:endParaRPr>
-          </a:p>
-        </p:txBody>
-      </p:sp>
     </p:spTree>
   </p:cSld>
   <p:clrMapOvr>
@@ -30766,18 +30687,21 @@
   <p:clrMapOvr>
     <a:masterClrMapping/>
   </p:clrMapOvr>
-  <mc:AlternateContent xmlns:mc="http://schemas.openxmlformats.org/markup-compatibility/2006" xmlns:p14="http://schemas.microsoft.com/office/powerpoint/2010/main">
-    <mc:Choice Requires="p14">
-      <p:transition spd="slow" p14:dur="1600">
-        <p:blinds dir="vert"/>
-      </p:transition>
+  <mc:AlternateContent xmlns:mc="http://schemas.openxmlformats.org/markup-compatibility/2006">
+    <mc:Choice xmlns:p14="http://schemas.microsoft.com/office/powerpoint/2010/main" Requires="p14">
+      <p:transition p14:dur="0"/>
     </mc:Choice>
-    <mc:Fallback xmlns="">
-      <p:transition spd="slow">
-        <p:blinds dir="vert"/>
-      </p:transition>
+    <mc:Fallback>
+      <p:transition/>
     </mc:Fallback>
   </mc:AlternateContent>
+  <p:timing>
+    <p:tnLst>
+      <p:par>
+        <p:cTn id="1" dur="indefinite" restart="never" nodeType="tmRoot"/>
+      </p:par>
+    </p:tnLst>
+  </p:timing>
 </p:sld>
 </file>
 
@@ -30903,18 +30827,21 @@
   <p:clrMapOvr>
     <a:masterClrMapping/>
   </p:clrMapOvr>
-  <mc:AlternateContent xmlns:mc="http://schemas.openxmlformats.org/markup-compatibility/2006" xmlns:p14="http://schemas.microsoft.com/office/powerpoint/2010/main">
-    <mc:Choice Requires="p14">
-      <p:transition spd="slow" p14:dur="1600">
-        <p:blinds dir="vert"/>
-      </p:transition>
+  <mc:AlternateContent xmlns:mc="http://schemas.openxmlformats.org/markup-compatibility/2006">
+    <mc:Choice xmlns:p14="http://schemas.microsoft.com/office/powerpoint/2010/main" Requires="p14">
+      <p:transition p14:dur="0"/>
     </mc:Choice>
-    <mc:Fallback xmlns="">
-      <p:transition spd="slow">
-        <p:blinds dir="vert"/>
-      </p:transition>
+    <mc:Fallback>
+      <p:transition/>
     </mc:Fallback>
   </mc:AlternateContent>
+  <p:timing>
+    <p:tnLst>
+      <p:par>
+        <p:cTn id="1" dur="indefinite" restart="never" nodeType="tmRoot"/>
+      </p:par>
+    </p:tnLst>
+  </p:timing>
 </p:sld>
 </file>
 
@@ -40761,7 +40688,7 @@
   <a:extraClrSchemeLst/>
   <a:extLst>
     <a:ext uri="{05A4C25C-085E-4340-85A3-A5531E510DB2}">
-      <thm15:themeFamily xmlns:thm15="http://schemas.microsoft.com/office/thememl/2012/main" name="Office Theme" id="{62F939B6-93AF-4DB8-9C6B-D6C7DFDC589F}" vid="{4A3C46E8-61CC-4603-A589-7422A47A8E4A}"/>
+      <thm15:themeFamily xmlns:thm15="http://schemas.microsoft.com/office/thememl/2012/main" xmlns="" name="Office Theme" id="{62F939B6-93AF-4DB8-9C6B-D6C7DFDC589F}" vid="{4A3C46E8-61CC-4603-A589-7422A47A8E4A}"/>
     </a:ext>
   </a:extLst>
 </a:theme>
@@ -41022,7 +40949,7 @@
   <a:extraClrSchemeLst/>
   <a:extLst>
     <a:ext uri="{05A4C25C-085E-4340-85A3-A5531E510DB2}">
-      <thm15:themeFamily xmlns:thm15="http://schemas.microsoft.com/office/thememl/2012/main" name="Office Theme" id="{62F939B6-93AF-4DB8-9C6B-D6C7DFDC589F}" vid="{4A3C46E8-61CC-4603-A589-7422A47A8E4A}"/>
+      <thm15:themeFamily xmlns:thm15="http://schemas.microsoft.com/office/thememl/2012/main" xmlns="" name="Office Theme" id="{62F939B6-93AF-4DB8-9C6B-D6C7DFDC589F}" vid="{4A3C46E8-61CC-4603-A589-7422A47A8E4A}"/>
     </a:ext>
   </a:extLst>
 </a:theme>
